--- a/Presentation.pptx
+++ b/Presentation.pptx
@@ -5935,34 +5935,16 @@
           <a:p>
             <a:pPr algn="l"/>
             <a:r>
+              <a:rPr lang="en-US" altLang="zh-CN" dirty="0">
+                <a:latin typeface="+mn-lt"/>
+              </a:rPr>
+              <a:t>This</a:t>
+            </a:r>
+            <a:r>
               <a:rPr lang="zh-CN" altLang="en-US" dirty="0">
                 <a:latin typeface="+mn-lt"/>
               </a:rPr>
-              <a:t>The experience of </a:t>
-            </a:r>
-            <a:r>
-              <a:rPr lang="en-US" altLang="zh-CN" dirty="0">
-                <a:latin typeface="+mn-lt"/>
-              </a:rPr>
-              <a:t>using </a:t>
-            </a:r>
-            <a:r>
-              <a:rPr lang="zh-CN" altLang="en-US" dirty="0">
-                <a:latin typeface="+mn-lt"/>
-              </a:rPr>
-              <a:t>this </a:t>
-            </a:r>
-            <a:r>
-              <a:rPr lang="en-US" altLang="zh-CN" dirty="0">
-                <a:latin typeface="+mn-lt"/>
-              </a:rPr>
-              <a:t>editor</a:t>
-            </a:r>
-            <a:r>
-              <a:rPr lang="zh-CN" altLang="en-US" dirty="0">
-                <a:latin typeface="+mn-lt"/>
-              </a:rPr>
-              <a:t> is much closer to that of a text editor.</a:t>
+              <a:t> editor's blocks are arranged in a regular reading order close to the text, and it is also compatible with many text editors' operating methods or shortcuts when in use.</a:t>
             </a:r>
             <a:endParaRPr lang="zh-CN" altLang="en-US" dirty="0">
               <a:latin typeface="+mn-lt"/>
@@ -5986,13 +5968,19 @@
               <a:rPr lang="en-US" altLang="zh-CN" dirty="0">
                 <a:latin typeface="+mn-lt"/>
               </a:rPr>
-              <a:t>laer </a:t>
+              <a:t>structure </a:t>
             </a:r>
             <a:r>
               <a:rPr lang="zh-CN" altLang="en-US" dirty="0">
                 <a:latin typeface="+mn-lt"/>
               </a:rPr>
               <a:t>of these blocks is determined at the time of writing and does not require much syntactic analysis</a:t>
+            </a:r>
+            <a:r>
+              <a:rPr lang="en-US" altLang="zh-CN" dirty="0">
+                <a:latin typeface="+mn-lt"/>
+              </a:rPr>
+              <a:t> when saving and generating code</a:t>
             </a:r>
             <a:r>
               <a:rPr lang="en-US" altLang="zh-CN" dirty="0">
